--- a/Learning and Development (LGD) Management Application.pptx
+++ b/Learning and Development (LGD) Management Application.pptx
@@ -19,7 +19,10 @@
     <p:sldId id="267" r:id="rId13"/>
     <p:sldId id="269" r:id="rId14"/>
     <p:sldId id="270" r:id="rId15"/>
-    <p:sldId id="268" r:id="rId16"/>
+    <p:sldId id="271" r:id="rId16"/>
+    <p:sldId id="272" r:id="rId17"/>
+    <p:sldId id="273" r:id="rId18"/>
+    <p:sldId id="268" r:id="rId19"/>
   </p:sldIdLst>
   <p:sldSz cx="12192000" cy="6858000"/>
   <p:notesSz cx="6858000" cy="9144000"/>
@@ -1548,7 +1551,7 @@
             <a:fld id="{48A87A34-81AB-432B-8DAE-1953F412C126}" type="datetimeFigureOut">
               <a:rPr lang="en-US" dirty="0"/>
               <a:pPr/>
-              <a:t>12/21/2024</a:t>
+              <a:t>12/23/2024</a:t>
             </a:fld>
             <a:endParaRPr lang="en-US" dirty="0"/>
           </a:p>
@@ -3002,7 +3005,7 @@
           <a:p>
             <a:fld id="{48A87A34-81AB-432B-8DAE-1953F412C126}" type="datetimeFigureOut">
               <a:rPr lang="en-US" dirty="0"/>
-              <a:t>12/21/2024</a:t>
+              <a:t>12/23/2024</a:t>
             </a:fld>
             <a:endParaRPr lang="en-US" dirty="0"/>
           </a:p>
@@ -4450,7 +4453,7 @@
           <a:p>
             <a:fld id="{48A87A34-81AB-432B-8DAE-1953F412C126}" type="datetimeFigureOut">
               <a:rPr lang="en-US" dirty="0"/>
-              <a:t>12/21/2024</a:t>
+              <a:t>12/23/2024</a:t>
             </a:fld>
             <a:endParaRPr lang="en-US" dirty="0"/>
           </a:p>
@@ -5900,7 +5903,7 @@
           <a:p>
             <a:fld id="{48A87A34-81AB-432B-8DAE-1953F412C126}" type="datetimeFigureOut">
               <a:rPr lang="en-US" dirty="0"/>
-              <a:t>12/21/2024</a:t>
+              <a:t>12/23/2024</a:t>
             </a:fld>
             <a:endParaRPr lang="en-US" dirty="0"/>
           </a:p>
@@ -7403,7 +7406,7 @@
           <a:p>
             <a:fld id="{48A87A34-81AB-432B-8DAE-1953F412C126}" type="datetimeFigureOut">
               <a:rPr lang="en-US" dirty="0"/>
-              <a:t>12/21/2024</a:t>
+              <a:t>12/23/2024</a:t>
             </a:fld>
             <a:endParaRPr lang="en-US" dirty="0"/>
           </a:p>
@@ -8919,7 +8922,7 @@
           <a:p>
             <a:fld id="{48A87A34-81AB-432B-8DAE-1953F412C126}" type="datetimeFigureOut">
               <a:rPr lang="en-US" dirty="0"/>
-              <a:t>12/21/2024</a:t>
+              <a:t>12/23/2024</a:t>
             </a:fld>
             <a:endParaRPr lang="en-US" dirty="0"/>
           </a:p>
@@ -10579,7 +10582,7 @@
           <a:p>
             <a:fld id="{48A87A34-81AB-432B-8DAE-1953F412C126}" type="datetimeFigureOut">
               <a:rPr lang="en-US" dirty="0"/>
-              <a:t>12/21/2024</a:t>
+              <a:t>12/23/2024</a:t>
             </a:fld>
             <a:endParaRPr lang="en-US" dirty="0"/>
           </a:p>
@@ -11972,7 +11975,7 @@
           <a:p>
             <a:fld id="{48A87A34-81AB-432B-8DAE-1953F412C126}" type="datetimeFigureOut">
               <a:rPr lang="en-US" dirty="0"/>
-              <a:t>12/21/2024</a:t>
+              <a:t>12/23/2024</a:t>
             </a:fld>
             <a:endParaRPr lang="en-US" dirty="0"/>
           </a:p>
@@ -12067,7 +12070,7 @@
           <a:p>
             <a:fld id="{48A87A34-81AB-432B-8DAE-1953F412C126}" type="datetimeFigureOut">
               <a:rPr lang="en-US" dirty="0"/>
-              <a:t>12/21/2024</a:t>
+              <a:t>12/23/2024</a:t>
             </a:fld>
             <a:endParaRPr lang="en-US" dirty="0"/>
           </a:p>
@@ -13588,7 +13591,7 @@
           <a:p>
             <a:fld id="{48A87A34-81AB-432B-8DAE-1953F412C126}" type="datetimeFigureOut">
               <a:rPr lang="en-US" dirty="0"/>
-              <a:t>12/21/2024</a:t>
+              <a:t>12/23/2024</a:t>
             </a:fld>
             <a:endParaRPr lang="en-US" dirty="0"/>
           </a:p>
@@ -15119,7 +15122,7 @@
           <a:p>
             <a:fld id="{48A87A34-81AB-432B-8DAE-1953F412C126}" type="datetimeFigureOut">
               <a:rPr lang="en-US" dirty="0"/>
-              <a:t>12/21/2024</a:t>
+              <a:t>12/23/2024</a:t>
             </a:fld>
             <a:endParaRPr lang="en-US" dirty="0"/>
           </a:p>
@@ -15338,7 +15341,7 @@
             <a:fld id="{48A87A34-81AB-432B-8DAE-1953F412C126}" type="datetimeFigureOut">
               <a:rPr lang="en-US" dirty="0"/>
               <a:pPr/>
-              <a:t>12/21/2024</a:t>
+              <a:t>12/23/2024</a:t>
             </a:fld>
             <a:endParaRPr lang="en-US" dirty="0"/>
           </a:p>
@@ -16434,6 +16437,551 @@
           <p:cNvPr id="2" name="Title 1">
             <a:extLst>
               <a:ext uri="{FF2B5EF4-FFF2-40B4-BE49-F238E27FC236}">
+                <a16:creationId xmlns:a16="http://schemas.microsoft.com/office/drawing/2014/main" id="{254A9BF9-D239-7136-C639-9DD3BEFD4175}"/>
+              </a:ext>
+            </a:extLst>
+          </p:cNvPr>
+          <p:cNvSpPr>
+            <a:spLocks noGrp="1"/>
+          </p:cNvSpPr>
+          <p:nvPr>
+            <p:ph type="title"/>
+          </p:nvPr>
+        </p:nvSpPr>
+        <p:spPr/>
+        <p:txBody>
+          <a:bodyPr/>
+          <a:lstStyle/>
+          <a:p>
+            <a:r>
+              <a:rPr lang="en-US" dirty="0"/>
+              <a:t>Course Progress</a:t>
+            </a:r>
+            <a:br>
+              <a:rPr lang="en-US" dirty="0"/>
+            </a:br>
+            <a:r>
+              <a:rPr lang="en-US" dirty="0"/>
+              <a:t>and </a:t>
+            </a:r>
+            <a:br>
+              <a:rPr lang="en-US" dirty="0"/>
+            </a:br>
+            <a:r>
+              <a:rPr lang="en-US" dirty="0"/>
+              <a:t>Course feedback</a:t>
+            </a:r>
+          </a:p>
+        </p:txBody>
+      </p:sp>
+      <p:pic>
+        <p:nvPicPr>
+          <p:cNvPr id="6" name="Content Placeholder 5">
+            <a:extLst>
+              <a:ext uri="{FF2B5EF4-FFF2-40B4-BE49-F238E27FC236}">
+                <a16:creationId xmlns:a16="http://schemas.microsoft.com/office/drawing/2014/main" id="{678DBF6A-310F-6DA3-2A58-A362A5D8E0EF}"/>
+              </a:ext>
+            </a:extLst>
+          </p:cNvPr>
+          <p:cNvPicPr>
+            <a:picLocks noGrp="1" noChangeAspect="1"/>
+          </p:cNvPicPr>
+          <p:nvPr>
+            <p:ph sz="half" idx="1"/>
+          </p:nvPr>
+        </p:nvPicPr>
+        <p:blipFill>
+          <a:blip r:embed="rId2"/>
+          <a:stretch>
+            <a:fillRect/>
+          </a:stretch>
+        </p:blipFill>
+        <p:spPr>
+          <a:xfrm>
+            <a:off x="5118447" y="421104"/>
+            <a:ext cx="6696564" cy="3007895"/>
+          </a:xfrm>
+        </p:spPr>
+      </p:pic>
+      <p:pic>
+        <p:nvPicPr>
+          <p:cNvPr id="8" name="Content Placeholder 7">
+            <a:extLst>
+              <a:ext uri="{FF2B5EF4-FFF2-40B4-BE49-F238E27FC236}">
+                <a16:creationId xmlns:a16="http://schemas.microsoft.com/office/drawing/2014/main" id="{8EAD89AD-83BE-2801-9963-B84275F5D8BC}"/>
+              </a:ext>
+            </a:extLst>
+          </p:cNvPr>
+          <p:cNvPicPr>
+            <a:picLocks noGrp="1" noChangeAspect="1"/>
+          </p:cNvPicPr>
+          <p:nvPr>
+            <p:ph sz="half" idx="2"/>
+          </p:nvPr>
+        </p:nvPicPr>
+        <p:blipFill>
+          <a:blip r:embed="rId3"/>
+          <a:stretch>
+            <a:fillRect/>
+          </a:stretch>
+        </p:blipFill>
+        <p:spPr>
+          <a:xfrm>
+            <a:off x="5423912" y="3671888"/>
+            <a:ext cx="6086038" cy="2909887"/>
+          </a:xfrm>
+        </p:spPr>
+      </p:pic>
+    </p:spTree>
+    <p:extLst>
+      <p:ext uri="{BB962C8B-B14F-4D97-AF65-F5344CB8AC3E}">
+        <p14:creationId xmlns:p14="http://schemas.microsoft.com/office/powerpoint/2010/main" val="494332249"/>
+      </p:ext>
+    </p:extLst>
+  </p:cSld>
+  <p:clrMapOvr>
+    <a:masterClrMapping/>
+  </p:clrMapOvr>
+</p:sld>
+</file>
+
+<file path=ppt/slides/slide16.xml><?xml version="1.0" encoding="utf-8"?>
+<p:sld xmlns:a="http://schemas.openxmlformats.org/drawingml/2006/main" xmlns:r="http://schemas.openxmlformats.org/officeDocument/2006/relationships" xmlns:p="http://schemas.openxmlformats.org/presentationml/2006/main">
+  <p:cSld>
+    <p:spTree>
+      <p:nvGrpSpPr>
+        <p:cNvPr id="1" name=""/>
+        <p:cNvGrpSpPr/>
+        <p:nvPr/>
+      </p:nvGrpSpPr>
+      <p:grpSpPr>
+        <a:xfrm>
+          <a:off x="0" y="0"/>
+          <a:ext cx="0" cy="0"/>
+          <a:chOff x="0" y="0"/>
+          <a:chExt cx="0" cy="0"/>
+        </a:xfrm>
+      </p:grpSpPr>
+      <p:sp>
+        <p:nvSpPr>
+          <p:cNvPr id="2" name="Title 1">
+            <a:extLst>
+              <a:ext uri="{FF2B5EF4-FFF2-40B4-BE49-F238E27FC236}">
+                <a16:creationId xmlns:a16="http://schemas.microsoft.com/office/drawing/2014/main" id="{02FD420B-CD6D-FDB7-E4E1-6153F8DAE361}"/>
+              </a:ext>
+            </a:extLst>
+          </p:cNvPr>
+          <p:cNvSpPr>
+            <a:spLocks noGrp="1"/>
+          </p:cNvSpPr>
+          <p:nvPr>
+            <p:ph type="title"/>
+          </p:nvPr>
+        </p:nvSpPr>
+        <p:spPr/>
+        <p:txBody>
+          <a:bodyPr/>
+          <a:lstStyle/>
+          <a:p>
+            <a:r>
+              <a:rPr lang="en-US" dirty="0"/>
+              <a:t>Courses and Notifications</a:t>
+            </a:r>
+          </a:p>
+        </p:txBody>
+      </p:sp>
+      <p:pic>
+        <p:nvPicPr>
+          <p:cNvPr id="6" name="Content Placeholder 5">
+            <a:extLst>
+              <a:ext uri="{FF2B5EF4-FFF2-40B4-BE49-F238E27FC236}">
+                <a16:creationId xmlns:a16="http://schemas.microsoft.com/office/drawing/2014/main" id="{02B7C5C2-BF8E-FDA2-523D-F3DFA9BE2994}"/>
+              </a:ext>
+            </a:extLst>
+          </p:cNvPr>
+          <p:cNvPicPr>
+            <a:picLocks noGrp="1" noChangeAspect="1"/>
+          </p:cNvPicPr>
+          <p:nvPr>
+            <p:ph sz="half" idx="1"/>
+          </p:nvPr>
+        </p:nvPicPr>
+        <p:blipFill>
+          <a:blip r:embed="rId2"/>
+          <a:stretch>
+            <a:fillRect/>
+          </a:stretch>
+        </p:blipFill>
+        <p:spPr>
+          <a:xfrm>
+            <a:off x="5087722" y="360947"/>
+            <a:ext cx="5873046" cy="2825166"/>
+          </a:xfrm>
+        </p:spPr>
+      </p:pic>
+      <p:pic>
+        <p:nvPicPr>
+          <p:cNvPr id="8" name="Content Placeholder 7">
+            <a:extLst>
+              <a:ext uri="{FF2B5EF4-FFF2-40B4-BE49-F238E27FC236}">
+                <a16:creationId xmlns:a16="http://schemas.microsoft.com/office/drawing/2014/main" id="{CDBAC9E2-A334-71CF-3DB4-3C74710D18A7}"/>
+              </a:ext>
+            </a:extLst>
+          </p:cNvPr>
+          <p:cNvPicPr>
+            <a:picLocks noGrp="1" noChangeAspect="1"/>
+          </p:cNvPicPr>
+          <p:nvPr>
+            <p:ph sz="half" idx="2"/>
+          </p:nvPr>
+        </p:nvPicPr>
+        <p:blipFill>
+          <a:blip r:embed="rId3"/>
+          <a:stretch>
+            <a:fillRect/>
+          </a:stretch>
+        </p:blipFill>
+        <p:spPr>
+          <a:xfrm>
+            <a:off x="5087722" y="3429000"/>
+            <a:ext cx="5873046" cy="3068053"/>
+          </a:xfrm>
+        </p:spPr>
+      </p:pic>
+    </p:spTree>
+    <p:extLst>
+      <p:ext uri="{BB962C8B-B14F-4D97-AF65-F5344CB8AC3E}">
+        <p14:creationId xmlns:p14="http://schemas.microsoft.com/office/powerpoint/2010/main" val="3683438260"/>
+      </p:ext>
+    </p:extLst>
+  </p:cSld>
+  <p:clrMapOvr>
+    <a:masterClrMapping/>
+  </p:clrMapOvr>
+</p:sld>
+</file>
+
+<file path=ppt/slides/slide17.xml><?xml version="1.0" encoding="utf-8"?>
+<p:sld xmlns:a="http://schemas.openxmlformats.org/drawingml/2006/main" xmlns:r="http://schemas.openxmlformats.org/officeDocument/2006/relationships" xmlns:p="http://schemas.openxmlformats.org/presentationml/2006/main">
+  <p:cSld>
+    <p:spTree>
+      <p:nvGrpSpPr>
+        <p:cNvPr id="1" name=""/>
+        <p:cNvGrpSpPr/>
+        <p:nvPr/>
+      </p:nvGrpSpPr>
+      <p:grpSpPr>
+        <a:xfrm>
+          <a:off x="0" y="0"/>
+          <a:ext cx="0" cy="0"/>
+          <a:chOff x="0" y="0"/>
+          <a:chExt cx="0" cy="0"/>
+        </a:xfrm>
+      </p:grpSpPr>
+      <p:sp>
+        <p:nvSpPr>
+          <p:cNvPr id="5" name="Title 4">
+            <a:extLst>
+              <a:ext uri="{FF2B5EF4-FFF2-40B4-BE49-F238E27FC236}">
+                <a16:creationId xmlns:a16="http://schemas.microsoft.com/office/drawing/2014/main" id="{6D23E6D4-CF94-0796-52E6-FF697C2F24D7}"/>
+              </a:ext>
+            </a:extLst>
+          </p:cNvPr>
+          <p:cNvSpPr>
+            <a:spLocks noGrp="1"/>
+          </p:cNvSpPr>
+          <p:nvPr>
+            <p:ph type="title"/>
+          </p:nvPr>
+        </p:nvSpPr>
+        <p:spPr/>
+        <p:txBody>
+          <a:bodyPr>
+            <a:noAutofit/>
+          </a:bodyPr>
+          <a:lstStyle/>
+          <a:p>
+            <a:pPr marL="0" marR="0">
+              <a:lnSpc>
+                <a:spcPct val="115000"/>
+              </a:lnSpc>
+              <a:spcAft>
+                <a:spcPts val="1000"/>
+              </a:spcAft>
+            </a:pPr>
+            <a:r>
+              <a:rPr lang="en-US" dirty="0"/>
+              <a:t>Milestones</a:t>
+            </a:r>
+          </a:p>
+        </p:txBody>
+      </p:sp>
+      <p:sp>
+        <p:nvSpPr>
+          <p:cNvPr id="7" name="Content Placeholder 6">
+            <a:extLst>
+              <a:ext uri="{FF2B5EF4-FFF2-40B4-BE49-F238E27FC236}">
+                <a16:creationId xmlns:a16="http://schemas.microsoft.com/office/drawing/2014/main" id="{5E0F2502-8492-2110-A30E-1ED13B1074F2}"/>
+              </a:ext>
+            </a:extLst>
+          </p:cNvPr>
+          <p:cNvSpPr>
+            <a:spLocks noGrp="1"/>
+          </p:cNvSpPr>
+          <p:nvPr>
+            <p:ph idx="1"/>
+          </p:nvPr>
+        </p:nvSpPr>
+        <p:spPr/>
+        <p:txBody>
+          <a:bodyPr>
+            <a:normAutofit fontScale="92500" lnSpcReduction="10000"/>
+          </a:bodyPr>
+          <a:lstStyle/>
+          <a:p>
+            <a:r>
+              <a:rPr lang="en-SG" sz="1800" b="1" dirty="0">
+                <a:effectLst/>
+                <a:latin typeface="Calibri" panose="020F0502020204030204" pitchFamily="34" charset="0"/>
+                <a:ea typeface="Calibri" panose="020F0502020204030204" pitchFamily="34" charset="0"/>
+                <a:cs typeface="Times New Roman" panose="02020603050405020304" pitchFamily="18" charset="0"/>
+              </a:rPr>
+              <a:t>Milestone 1 Evaluation (Week 3):</a:t>
+            </a:r>
+            <a:br>
+              <a:rPr lang="en-US" sz="1800" dirty="0">
+                <a:effectLst/>
+                <a:latin typeface="Calibri" panose="020F0502020204030204" pitchFamily="34" charset="0"/>
+                <a:ea typeface="Calibri" panose="020F0502020204030204" pitchFamily="34" charset="0"/>
+                <a:cs typeface="Times New Roman" panose="02020603050405020304" pitchFamily="18" charset="0"/>
+              </a:rPr>
+            </a:br>
+            <a:r>
+              <a:rPr lang="en-SG" sz="1800" dirty="0">
+                <a:effectLst/>
+                <a:latin typeface="Calibri" panose="020F0502020204030204" pitchFamily="34" charset="0"/>
+                <a:ea typeface="Calibri" panose="020F0502020204030204" pitchFamily="34" charset="0"/>
+                <a:cs typeface="Times New Roman" panose="02020603050405020304" pitchFamily="18" charset="0"/>
+              </a:rPr>
+              <a:t>User Authentication and Role Management are fully implemented.</a:t>
+            </a:r>
+            <a:br>
+              <a:rPr lang="en-US" sz="1800" dirty="0">
+                <a:effectLst/>
+                <a:latin typeface="Calibri" panose="020F0502020204030204" pitchFamily="34" charset="0"/>
+                <a:ea typeface="Calibri" panose="020F0502020204030204" pitchFamily="34" charset="0"/>
+                <a:cs typeface="Times New Roman" panose="02020603050405020304" pitchFamily="18" charset="0"/>
+              </a:rPr>
+            </a:br>
+            <a:r>
+              <a:rPr lang="en-SG" sz="1800" dirty="0">
+                <a:effectLst/>
+                <a:latin typeface="Calibri" panose="020F0502020204030204" pitchFamily="34" charset="0"/>
+                <a:ea typeface="Calibri" panose="020F0502020204030204" pitchFamily="34" charset="0"/>
+                <a:cs typeface="Times New Roman" panose="02020603050405020304" pitchFamily="18" charset="0"/>
+              </a:rPr>
+              <a:t>Training Request Management functionalities are working with rolebased access.</a:t>
+            </a:r>
+            <a:br>
+              <a:rPr lang="en-US" sz="1800" dirty="0">
+                <a:effectLst/>
+                <a:latin typeface="Calibri" panose="020F0502020204030204" pitchFamily="34" charset="0"/>
+                <a:ea typeface="Calibri" panose="020F0502020204030204" pitchFamily="34" charset="0"/>
+                <a:cs typeface="Times New Roman" panose="02020603050405020304" pitchFamily="18" charset="0"/>
+              </a:rPr>
+            </a:br>
+            <a:r>
+              <a:rPr lang="en-SG" sz="1800" b="1" dirty="0">
+                <a:effectLst/>
+                <a:latin typeface="Calibri" panose="020F0502020204030204" pitchFamily="34" charset="0"/>
+                <a:ea typeface="Calibri" panose="020F0502020204030204" pitchFamily="34" charset="0"/>
+                <a:cs typeface="Times New Roman" panose="02020603050405020304" pitchFamily="18" charset="0"/>
+              </a:rPr>
+              <a:t>Milestone 2 Evaluation (Week 6):</a:t>
+            </a:r>
+            <a:br>
+              <a:rPr lang="en-US" sz="1800" dirty="0">
+                <a:effectLst/>
+                <a:latin typeface="Calibri" panose="020F0502020204030204" pitchFamily="34" charset="0"/>
+                <a:ea typeface="Calibri" panose="020F0502020204030204" pitchFamily="34" charset="0"/>
+                <a:cs typeface="Times New Roman" panose="02020603050405020304" pitchFamily="18" charset="0"/>
+              </a:rPr>
+            </a:br>
+            <a:r>
+              <a:rPr lang="en-SG" sz="1800" dirty="0">
+                <a:effectLst/>
+                <a:latin typeface="Calibri" panose="020F0502020204030204" pitchFamily="34" charset="0"/>
+                <a:ea typeface="Calibri" panose="020F0502020204030204" pitchFamily="34" charset="0"/>
+                <a:cs typeface="Times New Roman" panose="02020603050405020304" pitchFamily="18" charset="0"/>
+              </a:rPr>
+              <a:t>Course Creation and Assignment functionalities are operational.</a:t>
+            </a:r>
+            <a:br>
+              <a:rPr lang="en-US" sz="1800" dirty="0">
+                <a:effectLst/>
+                <a:latin typeface="Calibri" panose="020F0502020204030204" pitchFamily="34" charset="0"/>
+                <a:ea typeface="Calibri" panose="020F0502020204030204" pitchFamily="34" charset="0"/>
+                <a:cs typeface="Times New Roman" panose="02020603050405020304" pitchFamily="18" charset="0"/>
+              </a:rPr>
+            </a:br>
+            <a:r>
+              <a:rPr lang="en-SG" sz="1800" dirty="0">
+                <a:effectLst/>
+                <a:latin typeface="Calibri" panose="020F0502020204030204" pitchFamily="34" charset="0"/>
+                <a:ea typeface="Calibri" panose="020F0502020204030204" pitchFamily="34" charset="0"/>
+                <a:cs typeface="Times New Roman" panose="02020603050405020304" pitchFamily="18" charset="0"/>
+              </a:rPr>
+              <a:t>Employee Progress Tracking is integrated, with course completion statistics visible.</a:t>
+            </a:r>
+            <a:br>
+              <a:rPr lang="en-US" sz="1800" dirty="0">
+                <a:effectLst/>
+                <a:latin typeface="Calibri" panose="020F0502020204030204" pitchFamily="34" charset="0"/>
+                <a:ea typeface="Calibri" panose="020F0502020204030204" pitchFamily="34" charset="0"/>
+                <a:cs typeface="Times New Roman" panose="02020603050405020304" pitchFamily="18" charset="0"/>
+              </a:rPr>
+            </a:br>
+            <a:r>
+              <a:rPr lang="en-SG" sz="1800" b="1" dirty="0">
+                <a:effectLst/>
+                <a:latin typeface="Calibri" panose="020F0502020204030204" pitchFamily="34" charset="0"/>
+                <a:ea typeface="Calibri" panose="020F0502020204030204" pitchFamily="34" charset="0"/>
+                <a:cs typeface="Times New Roman" panose="02020603050405020304" pitchFamily="18" charset="0"/>
+              </a:rPr>
+              <a:t>Milestone 3 Evaluation (Week 9):</a:t>
+            </a:r>
+            <a:br>
+              <a:rPr lang="en-US" sz="1800" dirty="0">
+                <a:effectLst/>
+                <a:latin typeface="Calibri" panose="020F0502020204030204" pitchFamily="34" charset="0"/>
+                <a:ea typeface="Calibri" panose="020F0502020204030204" pitchFamily="34" charset="0"/>
+                <a:cs typeface="Times New Roman" panose="02020603050405020304" pitchFamily="18" charset="0"/>
+              </a:rPr>
+            </a:br>
+            <a:r>
+              <a:rPr lang="en-SG" sz="1800" dirty="0">
+                <a:effectLst/>
+                <a:latin typeface="Calibri" panose="020F0502020204030204" pitchFamily="34" charset="0"/>
+                <a:ea typeface="Calibri" panose="020F0502020204030204" pitchFamily="34" charset="0"/>
+                <a:cs typeface="Times New Roman" panose="02020603050405020304" pitchFamily="18" charset="0"/>
+              </a:rPr>
+              <a:t>Feedback Collection is implemented, and feedback is stored for reporting.</a:t>
+            </a:r>
+            <a:br>
+              <a:rPr lang="en-US" sz="1800" dirty="0">
+                <a:effectLst/>
+                <a:latin typeface="Calibri" panose="020F0502020204030204" pitchFamily="34" charset="0"/>
+                <a:ea typeface="Calibri" panose="020F0502020204030204" pitchFamily="34" charset="0"/>
+                <a:cs typeface="Times New Roman" panose="02020603050405020304" pitchFamily="18" charset="0"/>
+              </a:rPr>
+            </a:br>
+            <a:r>
+              <a:rPr lang="en-SG" sz="1800" dirty="0">
+                <a:effectLst/>
+                <a:latin typeface="Calibri" panose="020F0502020204030204" pitchFamily="34" charset="0"/>
+                <a:ea typeface="Calibri" panose="020F0502020204030204" pitchFamily="34" charset="0"/>
+                <a:cs typeface="Times New Roman" panose="02020603050405020304" pitchFamily="18" charset="0"/>
+              </a:rPr>
+              <a:t>Dashboard Overview displays a snapshot of key metrics for L&amp;D admin users.</a:t>
+            </a:r>
+            <a:br>
+              <a:rPr lang="en-US" sz="1800" dirty="0">
+                <a:effectLst/>
+                <a:latin typeface="Calibri" panose="020F0502020204030204" pitchFamily="34" charset="0"/>
+                <a:ea typeface="Calibri" panose="020F0502020204030204" pitchFamily="34" charset="0"/>
+                <a:cs typeface="Times New Roman" panose="02020603050405020304" pitchFamily="18" charset="0"/>
+              </a:rPr>
+            </a:br>
+            <a:r>
+              <a:rPr lang="en-SG" sz="1800" b="1" dirty="0">
+                <a:effectLst/>
+                <a:latin typeface="Calibri" panose="020F0502020204030204" pitchFamily="34" charset="0"/>
+                <a:ea typeface="Calibri" panose="020F0502020204030204" pitchFamily="34" charset="0"/>
+                <a:cs typeface="Times New Roman" panose="02020603050405020304" pitchFamily="18" charset="0"/>
+              </a:rPr>
+              <a:t>Milestone 4 Evaluation (Week 10):</a:t>
+            </a:r>
+            <a:br>
+              <a:rPr lang="en-US" sz="1800" dirty="0">
+                <a:effectLst/>
+                <a:latin typeface="Calibri" panose="020F0502020204030204" pitchFamily="34" charset="0"/>
+                <a:ea typeface="Calibri" panose="020F0502020204030204" pitchFamily="34" charset="0"/>
+                <a:cs typeface="Times New Roman" panose="02020603050405020304" pitchFamily="18" charset="0"/>
+              </a:rPr>
+            </a:br>
+            <a:r>
+              <a:rPr lang="en-SG" sz="1800" dirty="0">
+                <a:effectLst/>
+                <a:latin typeface="Calibri" panose="020F0502020204030204" pitchFamily="34" charset="0"/>
+                <a:ea typeface="Calibri" panose="020F0502020204030204" pitchFamily="34" charset="0"/>
+                <a:cs typeface="Times New Roman" panose="02020603050405020304" pitchFamily="18" charset="0"/>
+              </a:rPr>
+              <a:t>Notification System for automated alerts is fully</a:t>
+            </a:r>
+            <a:br>
+              <a:rPr lang="en-US" sz="1800" dirty="0">
+                <a:effectLst/>
+                <a:latin typeface="Calibri" panose="020F0502020204030204" pitchFamily="34" charset="0"/>
+                <a:ea typeface="Calibri" panose="020F0502020204030204" pitchFamily="34" charset="0"/>
+                <a:cs typeface="Times New Roman" panose="02020603050405020304" pitchFamily="18" charset="0"/>
+              </a:rPr>
+            </a:br>
+            <a:r>
+              <a:rPr lang="en-SG" sz="1800" dirty="0">
+                <a:effectLst/>
+                <a:latin typeface="Calibri" panose="020F0502020204030204" pitchFamily="34" charset="0"/>
+                <a:ea typeface="Calibri" panose="020F0502020204030204" pitchFamily="34" charset="0"/>
+                <a:cs typeface="Times New Roman" panose="02020603050405020304" pitchFamily="18" charset="0"/>
+              </a:rPr>
+              <a:t>Course Progress Analytics is integrated, with graphical insights for tracking learning effectiveness.</a:t>
+            </a:r>
+            <a:br>
+              <a:rPr lang="en-US" sz="1800" dirty="0">
+                <a:effectLst/>
+                <a:latin typeface="Calibri" panose="020F0502020204030204" pitchFamily="34" charset="0"/>
+                <a:ea typeface="Calibri" panose="020F0502020204030204" pitchFamily="34" charset="0"/>
+                <a:cs typeface="Times New Roman" panose="02020603050405020304" pitchFamily="18" charset="0"/>
+              </a:rPr>
+            </a:br>
+            <a:endParaRPr lang="en-US" dirty="0"/>
+          </a:p>
+        </p:txBody>
+      </p:sp>
+    </p:spTree>
+    <p:extLst>
+      <p:ext uri="{BB962C8B-B14F-4D97-AF65-F5344CB8AC3E}">
+        <p14:creationId xmlns:p14="http://schemas.microsoft.com/office/powerpoint/2010/main" val="4262275998"/>
+      </p:ext>
+    </p:extLst>
+  </p:cSld>
+  <p:clrMapOvr>
+    <a:masterClrMapping/>
+  </p:clrMapOvr>
+</p:sld>
+</file>
+
+<file path=ppt/slides/slide18.xml><?xml version="1.0" encoding="utf-8"?>
+<p:sld xmlns:a="http://schemas.openxmlformats.org/drawingml/2006/main" xmlns:r="http://schemas.openxmlformats.org/officeDocument/2006/relationships" xmlns:p="http://schemas.openxmlformats.org/presentationml/2006/main">
+  <p:cSld>
+    <p:spTree>
+      <p:nvGrpSpPr>
+        <p:cNvPr id="1" name=""/>
+        <p:cNvGrpSpPr/>
+        <p:nvPr/>
+      </p:nvGrpSpPr>
+      <p:grpSpPr>
+        <a:xfrm>
+          <a:off x="0" y="0"/>
+          <a:ext cx="0" cy="0"/>
+          <a:chOff x="0" y="0"/>
+          <a:chExt cx="0" cy="0"/>
+        </a:xfrm>
+      </p:grpSpPr>
+      <p:sp>
+        <p:nvSpPr>
+          <p:cNvPr id="2" name="Title 1">
+            <a:extLst>
+              <a:ext uri="{FF2B5EF4-FFF2-40B4-BE49-F238E27FC236}">
                 <a16:creationId xmlns:a16="http://schemas.microsoft.com/office/drawing/2014/main" id="{D015C95E-3DEA-016F-03A7-E32634084E58}"/>
               </a:ext>
             </a:extLst>
